--- a/EPICDocuments/presentation-projectday.pptx
+++ b/EPICDocuments/presentation-projectday.pptx
@@ -6,6 +6,7 @@
   </p:sldMasterIdLst>
   <p:sldIdLst>
     <p:sldId id="256" r:id="rId2"/>
+    <p:sldId id="257" r:id="rId3"/>
   </p:sldIdLst>
   <p:sldSz cx="12192000" cy="6858000"/>
   <p:notesSz cx="6858000" cy="9144000"/>
@@ -3226,6 +3227,36 @@
 </p:sld>
 </file>
 
+<file path=ppt/slides/slide2.xml><?xml version="1.0" encoding="utf-8"?>
+<p:sld xmlns:a="http://schemas.openxmlformats.org/drawingml/2006/main" xmlns:r="http://schemas.openxmlformats.org/officeDocument/2006/relationships" xmlns:p="http://schemas.openxmlformats.org/presentationml/2006/main">
+  <p:cSld>
+    <p:spTree>
+      <p:nvGrpSpPr>
+        <p:cNvPr id="1" name=""/>
+        <p:cNvGrpSpPr/>
+        <p:nvPr/>
+      </p:nvGrpSpPr>
+      <p:grpSpPr>
+        <a:xfrm>
+          <a:off x="0" y="0"/>
+          <a:ext cx="0" cy="0"/>
+          <a:chOff x="0" y="0"/>
+          <a:chExt cx="0" cy="0"/>
+        </a:xfrm>
+      </p:grpSpPr>
+    </p:spTree>
+    <p:extLst>
+      <p:ext uri="{BB962C8B-B14F-4D97-AF65-F5344CB8AC3E}">
+        <p14:creationId xmlns:p14="http://schemas.microsoft.com/office/powerpoint/2010/main" val="2842630428"/>
+      </p:ext>
+    </p:extLst>
+  </p:cSld>
+  <p:clrMapOvr>
+    <a:masterClrMapping/>
+  </p:clrMapOvr>
+</p:sld>
+</file>
+
 <file path=ppt/theme/theme1.xml><?xml version="1.0" encoding="utf-8"?>
 <a:theme xmlns:a="http://schemas.openxmlformats.org/drawingml/2006/main" name="Office Theme">
   <a:themeElements>

--- a/EPICDocuments/presentation-projectday.pptx
+++ b/EPICDocuments/presentation-projectday.pptx
@@ -244,7 +244,7 @@
           <a:p>
             <a:fld id="{2CC6C4E6-9D4C-4FC0-81B5-D4DD5335A13C}" type="datetimeFigureOut">
               <a:rPr lang="en-ZA" smtClean="0"/>
-              <a:t>2015/10/12</a:t>
+              <a:t>2015/10/15</a:t>
             </a:fld>
             <a:endParaRPr lang="en-ZA"/>
           </a:p>
@@ -414,7 +414,7 @@
           <a:p>
             <a:fld id="{2CC6C4E6-9D4C-4FC0-81B5-D4DD5335A13C}" type="datetimeFigureOut">
               <a:rPr lang="en-ZA" smtClean="0"/>
-              <a:t>2015/10/12</a:t>
+              <a:t>2015/10/15</a:t>
             </a:fld>
             <a:endParaRPr lang="en-ZA"/>
           </a:p>
@@ -594,7 +594,7 @@
           <a:p>
             <a:fld id="{2CC6C4E6-9D4C-4FC0-81B5-D4DD5335A13C}" type="datetimeFigureOut">
               <a:rPr lang="en-ZA" smtClean="0"/>
-              <a:t>2015/10/12</a:t>
+              <a:t>2015/10/15</a:t>
             </a:fld>
             <a:endParaRPr lang="en-ZA"/>
           </a:p>
@@ -764,7 +764,7 @@
           <a:p>
             <a:fld id="{2CC6C4E6-9D4C-4FC0-81B5-D4DD5335A13C}" type="datetimeFigureOut">
               <a:rPr lang="en-ZA" smtClean="0"/>
-              <a:t>2015/10/12</a:t>
+              <a:t>2015/10/15</a:t>
             </a:fld>
             <a:endParaRPr lang="en-ZA"/>
           </a:p>
@@ -1010,7 +1010,7 @@
           <a:p>
             <a:fld id="{2CC6C4E6-9D4C-4FC0-81B5-D4DD5335A13C}" type="datetimeFigureOut">
               <a:rPr lang="en-ZA" smtClean="0"/>
-              <a:t>2015/10/12</a:t>
+              <a:t>2015/10/15</a:t>
             </a:fld>
             <a:endParaRPr lang="en-ZA"/>
           </a:p>
@@ -1242,7 +1242,7 @@
           <a:p>
             <a:fld id="{2CC6C4E6-9D4C-4FC0-81B5-D4DD5335A13C}" type="datetimeFigureOut">
               <a:rPr lang="en-ZA" smtClean="0"/>
-              <a:t>2015/10/12</a:t>
+              <a:t>2015/10/15</a:t>
             </a:fld>
             <a:endParaRPr lang="en-ZA"/>
           </a:p>
@@ -1609,7 +1609,7 @@
           <a:p>
             <a:fld id="{2CC6C4E6-9D4C-4FC0-81B5-D4DD5335A13C}" type="datetimeFigureOut">
               <a:rPr lang="en-ZA" smtClean="0"/>
-              <a:t>2015/10/12</a:t>
+              <a:t>2015/10/15</a:t>
             </a:fld>
             <a:endParaRPr lang="en-ZA"/>
           </a:p>
@@ -1727,7 +1727,7 @@
           <a:p>
             <a:fld id="{2CC6C4E6-9D4C-4FC0-81B5-D4DD5335A13C}" type="datetimeFigureOut">
               <a:rPr lang="en-ZA" smtClean="0"/>
-              <a:t>2015/10/12</a:t>
+              <a:t>2015/10/15</a:t>
             </a:fld>
             <a:endParaRPr lang="en-ZA"/>
           </a:p>
@@ -1822,7 +1822,7 @@
           <a:p>
             <a:fld id="{2CC6C4E6-9D4C-4FC0-81B5-D4DD5335A13C}" type="datetimeFigureOut">
               <a:rPr lang="en-ZA" smtClean="0"/>
-              <a:t>2015/10/12</a:t>
+              <a:t>2015/10/15</a:t>
             </a:fld>
             <a:endParaRPr lang="en-ZA"/>
           </a:p>
@@ -2099,7 +2099,7 @@
           <a:p>
             <a:fld id="{2CC6C4E6-9D4C-4FC0-81B5-D4DD5335A13C}" type="datetimeFigureOut">
               <a:rPr lang="en-ZA" smtClean="0"/>
-              <a:t>2015/10/12</a:t>
+              <a:t>2015/10/15</a:t>
             </a:fld>
             <a:endParaRPr lang="en-ZA"/>
           </a:p>
@@ -2352,7 +2352,7 @@
           <a:p>
             <a:fld id="{2CC6C4E6-9D4C-4FC0-81B5-D4DD5335A13C}" type="datetimeFigureOut">
               <a:rPr lang="en-ZA" smtClean="0"/>
-              <a:t>2015/10/12</a:t>
+              <a:t>2015/10/15</a:t>
             </a:fld>
             <a:endParaRPr lang="en-ZA"/>
           </a:p>
@@ -2565,7 +2565,7 @@
           <a:p>
             <a:fld id="{2CC6C4E6-9D4C-4FC0-81B5-D4DD5335A13C}" type="datetimeFigureOut">
               <a:rPr lang="en-ZA" smtClean="0"/>
-              <a:t>2015/10/12</a:t>
+              <a:t>2015/10/15</a:t>
             </a:fld>
             <a:endParaRPr lang="en-ZA"/>
           </a:p>
@@ -3224,6 +3224,13 @@
   <p:clrMapOvr>
     <a:masterClrMapping/>
   </p:clrMapOvr>
+  <p:timing>
+    <p:tnLst>
+      <p:par>
+        <p:cTn id="1" dur="indefinite" restart="never" nodeType="tmRoot"/>
+      </p:par>
+    </p:tnLst>
+  </p:timing>
 </p:sld>
 </file>
 
@@ -3244,6 +3251,1135 @@
           <a:chExt cx="0" cy="0"/>
         </a:xfrm>
       </p:grpSpPr>
+      <p:sp>
+        <p:nvSpPr>
+          <p:cNvPr id="7" name="Cloud 6"/>
+          <p:cNvSpPr/>
+          <p:nvPr/>
+        </p:nvSpPr>
+        <p:spPr>
+          <a:xfrm>
+            <a:off x="2415711" y="318281"/>
+            <a:ext cx="3082742" cy="1623312"/>
+          </a:xfrm>
+          <a:prstGeom prst="cloud">
+            <a:avLst/>
+          </a:prstGeom>
+        </p:spPr>
+        <p:style>
+          <a:lnRef idx="2">
+            <a:schemeClr val="accent1">
+              <a:shade val="50000"/>
+            </a:schemeClr>
+          </a:lnRef>
+          <a:fillRef idx="1">
+            <a:schemeClr val="accent1"/>
+          </a:fillRef>
+          <a:effectRef idx="0">
+            <a:schemeClr val="accent1"/>
+          </a:effectRef>
+          <a:fontRef idx="minor">
+            <a:schemeClr val="lt1"/>
+          </a:fontRef>
+        </p:style>
+        <p:txBody>
+          <a:bodyPr rtlCol="0" anchor="ctr"/>
+          <a:lstStyle/>
+          <a:p>
+            <a:pPr algn="ctr"/>
+            <a:endParaRPr lang="en-ZA"/>
+          </a:p>
+        </p:txBody>
+      </p:sp>
+      <p:grpSp>
+        <p:nvGrpSpPr>
+          <p:cNvPr id="25" name="Group 24"/>
+          <p:cNvGrpSpPr/>
+          <p:nvPr/>
+        </p:nvGrpSpPr>
+        <p:grpSpPr>
+          <a:xfrm>
+            <a:off x="2740278" y="3259543"/>
+            <a:ext cx="1216804" cy="780432"/>
+            <a:chOff x="605646" y="3518518"/>
+            <a:chExt cx="1216804" cy="780432"/>
+          </a:xfrm>
+        </p:grpSpPr>
+        <p:sp>
+          <p:nvSpPr>
+            <p:cNvPr id="19" name="Flowchart: Preparation 18"/>
+            <p:cNvSpPr/>
+            <p:nvPr/>
+          </p:nvSpPr>
+          <p:spPr>
+            <a:xfrm>
+              <a:off x="605646" y="3701198"/>
+              <a:ext cx="1216804" cy="597752"/>
+            </a:xfrm>
+            <a:prstGeom prst="flowChartPreparation">
+              <a:avLst/>
+            </a:prstGeom>
+          </p:spPr>
+          <p:style>
+            <a:lnRef idx="2">
+              <a:schemeClr val="accent1">
+                <a:shade val="50000"/>
+              </a:schemeClr>
+            </a:lnRef>
+            <a:fillRef idx="1">
+              <a:schemeClr val="accent1"/>
+            </a:fillRef>
+            <a:effectRef idx="0">
+              <a:schemeClr val="accent1"/>
+            </a:effectRef>
+            <a:fontRef idx="minor">
+              <a:schemeClr val="lt1"/>
+            </a:fontRef>
+          </p:style>
+          <p:txBody>
+            <a:bodyPr rtlCol="0" anchor="ctr"/>
+            <a:lstStyle/>
+            <a:p>
+              <a:pPr algn="ctr"/>
+              <a:endParaRPr lang="en-ZA"/>
+            </a:p>
+          </p:txBody>
+        </p:sp>
+        <p:sp>
+          <p:nvSpPr>
+            <p:cNvPr id="3" name="Flowchart: Preparation 2"/>
+            <p:cNvSpPr/>
+            <p:nvPr/>
+          </p:nvSpPr>
+          <p:spPr>
+            <a:xfrm>
+              <a:off x="746928" y="3518518"/>
+              <a:ext cx="955604" cy="469438"/>
+            </a:xfrm>
+            <a:prstGeom prst="flowChartPreparation">
+              <a:avLst/>
+            </a:prstGeom>
+            <a:solidFill>
+              <a:schemeClr val="accent1">
+                <a:lumMod val="60000"/>
+                <a:lumOff val="40000"/>
+              </a:schemeClr>
+            </a:solidFill>
+          </p:spPr>
+          <p:style>
+            <a:lnRef idx="2">
+              <a:schemeClr val="accent1">
+                <a:shade val="50000"/>
+              </a:schemeClr>
+            </a:lnRef>
+            <a:fillRef idx="1">
+              <a:schemeClr val="accent1"/>
+            </a:fillRef>
+            <a:effectRef idx="0">
+              <a:schemeClr val="accent1"/>
+            </a:effectRef>
+            <a:fontRef idx="minor">
+              <a:schemeClr val="lt1"/>
+            </a:fontRef>
+          </p:style>
+          <p:txBody>
+            <a:bodyPr rtlCol="0" anchor="ctr"/>
+            <a:lstStyle/>
+            <a:p>
+              <a:pPr algn="ctr"/>
+              <a:endParaRPr lang="en-ZA"/>
+            </a:p>
+          </p:txBody>
+        </p:sp>
+        <p:sp>
+          <p:nvSpPr>
+            <p:cNvPr id="23" name="Parallelogram 22"/>
+            <p:cNvSpPr/>
+            <p:nvPr/>
+          </p:nvSpPr>
+          <p:spPr>
+            <a:xfrm rot="18517152">
+              <a:off x="1387023" y="3895422"/>
+              <a:ext cx="509631" cy="251750"/>
+            </a:xfrm>
+            <a:prstGeom prst="parallelogram">
+              <a:avLst>
+                <a:gd name="adj" fmla="val 38295"/>
+              </a:avLst>
+            </a:prstGeom>
+          </p:spPr>
+          <p:style>
+            <a:lnRef idx="2">
+              <a:schemeClr val="accent1">
+                <a:shade val="50000"/>
+              </a:schemeClr>
+            </a:lnRef>
+            <a:fillRef idx="1">
+              <a:schemeClr val="accent1"/>
+            </a:fillRef>
+            <a:effectRef idx="0">
+              <a:schemeClr val="accent1"/>
+            </a:effectRef>
+            <a:fontRef idx="minor">
+              <a:schemeClr val="lt1"/>
+            </a:fontRef>
+          </p:style>
+          <p:txBody>
+            <a:bodyPr rtlCol="0" anchor="ctr"/>
+            <a:lstStyle/>
+            <a:p>
+              <a:pPr algn="ctr"/>
+              <a:endParaRPr lang="en-ZA"/>
+            </a:p>
+          </p:txBody>
+        </p:sp>
+        <p:sp>
+          <p:nvSpPr>
+            <p:cNvPr id="24" name="Parallelogram 23"/>
+            <p:cNvSpPr/>
+            <p:nvPr/>
+          </p:nvSpPr>
+          <p:spPr>
+            <a:xfrm rot="3082848" flipH="1">
+              <a:off x="549224" y="3908122"/>
+              <a:ext cx="509631" cy="251750"/>
+            </a:xfrm>
+            <a:prstGeom prst="parallelogram">
+              <a:avLst>
+                <a:gd name="adj" fmla="val 38295"/>
+              </a:avLst>
+            </a:prstGeom>
+          </p:spPr>
+          <p:style>
+            <a:lnRef idx="2">
+              <a:schemeClr val="accent1">
+                <a:shade val="50000"/>
+              </a:schemeClr>
+            </a:lnRef>
+            <a:fillRef idx="1">
+              <a:schemeClr val="accent1"/>
+            </a:fillRef>
+            <a:effectRef idx="0">
+              <a:schemeClr val="accent1"/>
+            </a:effectRef>
+            <a:fontRef idx="minor">
+              <a:schemeClr val="lt1"/>
+            </a:fontRef>
+          </p:style>
+          <p:txBody>
+            <a:bodyPr rtlCol="0" anchor="ctr"/>
+            <a:lstStyle/>
+            <a:p>
+              <a:pPr algn="ctr"/>
+              <a:endParaRPr lang="en-ZA"/>
+            </a:p>
+          </p:txBody>
+        </p:sp>
+        <p:sp>
+          <p:nvSpPr>
+            <p:cNvPr id="20" name="Trapezoid 19"/>
+            <p:cNvSpPr/>
+            <p:nvPr/>
+          </p:nvSpPr>
+          <p:spPr>
+            <a:xfrm>
+              <a:off x="866846" y="3986771"/>
+              <a:ext cx="715770" cy="312179"/>
+            </a:xfrm>
+            <a:prstGeom prst="trapezoid">
+              <a:avLst>
+                <a:gd name="adj" fmla="val 23781"/>
+              </a:avLst>
+            </a:prstGeom>
+          </p:spPr>
+          <p:style>
+            <a:lnRef idx="2">
+              <a:schemeClr val="accent1">
+                <a:shade val="50000"/>
+              </a:schemeClr>
+            </a:lnRef>
+            <a:fillRef idx="1">
+              <a:schemeClr val="accent1"/>
+            </a:fillRef>
+            <a:effectRef idx="0">
+              <a:schemeClr val="accent1"/>
+            </a:effectRef>
+            <a:fontRef idx="minor">
+              <a:schemeClr val="lt1"/>
+            </a:fontRef>
+          </p:style>
+          <p:txBody>
+            <a:bodyPr rtlCol="0" anchor="ctr"/>
+            <a:lstStyle/>
+            <a:p>
+              <a:pPr algn="ctr"/>
+              <a:endParaRPr lang="en-ZA"/>
+            </a:p>
+          </p:txBody>
+        </p:sp>
+      </p:grpSp>
+      <p:grpSp>
+        <p:nvGrpSpPr>
+          <p:cNvPr id="32" name="Group 31"/>
+          <p:cNvGrpSpPr/>
+          <p:nvPr/>
+        </p:nvGrpSpPr>
+        <p:grpSpPr>
+          <a:xfrm>
+            <a:off x="6259963" y="318281"/>
+            <a:ext cx="3470891" cy="1906304"/>
+            <a:chOff x="4797496" y="3648540"/>
+            <a:chExt cx="3501954" cy="1901360"/>
+          </a:xfrm>
+        </p:grpSpPr>
+        <p:sp>
+          <p:nvSpPr>
+            <p:cNvPr id="8" name="Rectangle 7"/>
+            <p:cNvSpPr/>
+            <p:nvPr/>
+          </p:nvSpPr>
+          <p:spPr>
+            <a:xfrm>
+              <a:off x="4797496" y="3648540"/>
+              <a:ext cx="3501954" cy="1901360"/>
+            </a:xfrm>
+            <a:prstGeom prst="rect">
+              <a:avLst/>
+            </a:prstGeom>
+          </p:spPr>
+          <p:style>
+            <a:lnRef idx="2">
+              <a:schemeClr val="accent1">
+                <a:shade val="50000"/>
+              </a:schemeClr>
+            </a:lnRef>
+            <a:fillRef idx="1">
+              <a:schemeClr val="accent1"/>
+            </a:fillRef>
+            <a:effectRef idx="0">
+              <a:schemeClr val="accent1"/>
+            </a:effectRef>
+            <a:fontRef idx="minor">
+              <a:schemeClr val="lt1"/>
+            </a:fontRef>
+          </p:style>
+          <p:txBody>
+            <a:bodyPr rtlCol="0" anchor="ctr"/>
+            <a:lstStyle/>
+            <a:p>
+              <a:pPr algn="ctr"/>
+              <a:endParaRPr lang="en-ZA"/>
+            </a:p>
+          </p:txBody>
+        </p:sp>
+        <p:sp>
+          <p:nvSpPr>
+            <p:cNvPr id="26" name="Rectangle 25"/>
+            <p:cNvSpPr/>
+            <p:nvPr/>
+          </p:nvSpPr>
+          <p:spPr>
+            <a:xfrm>
+              <a:off x="4876800" y="3736024"/>
+              <a:ext cx="3352800" cy="1731326"/>
+            </a:xfrm>
+            <a:prstGeom prst="rect">
+              <a:avLst/>
+            </a:prstGeom>
+            <a:solidFill>
+              <a:schemeClr val="accent1">
+                <a:lumMod val="40000"/>
+                <a:lumOff val="60000"/>
+              </a:schemeClr>
+            </a:solidFill>
+          </p:spPr>
+          <p:style>
+            <a:lnRef idx="2">
+              <a:schemeClr val="accent1">
+                <a:shade val="50000"/>
+              </a:schemeClr>
+            </a:lnRef>
+            <a:fillRef idx="1">
+              <a:schemeClr val="accent1"/>
+            </a:fillRef>
+            <a:effectRef idx="0">
+              <a:schemeClr val="accent1"/>
+            </a:effectRef>
+            <a:fontRef idx="minor">
+              <a:schemeClr val="lt1"/>
+            </a:fontRef>
+          </p:style>
+          <p:txBody>
+            <a:bodyPr rtlCol="0" anchor="ctr"/>
+            <a:lstStyle/>
+            <a:p>
+              <a:pPr algn="ctr"/>
+              <a:endParaRPr lang="en-ZA"/>
+            </a:p>
+          </p:txBody>
+        </p:sp>
+      </p:grpSp>
+      <p:grpSp>
+        <p:nvGrpSpPr>
+          <p:cNvPr id="33" name="Group 32"/>
+          <p:cNvGrpSpPr/>
+          <p:nvPr/>
+        </p:nvGrpSpPr>
+        <p:grpSpPr>
+          <a:xfrm>
+            <a:off x="4729054" y="2734785"/>
+            <a:ext cx="476788" cy="920931"/>
+            <a:chOff x="9124412" y="1129937"/>
+            <a:chExt cx="476788" cy="920931"/>
+          </a:xfrm>
+        </p:grpSpPr>
+        <p:sp>
+          <p:nvSpPr>
+            <p:cNvPr id="5" name="Rectangle 4"/>
+            <p:cNvSpPr/>
+            <p:nvPr/>
+          </p:nvSpPr>
+          <p:spPr>
+            <a:xfrm>
+              <a:off x="9124412" y="1129937"/>
+              <a:ext cx="476788" cy="920931"/>
+            </a:xfrm>
+            <a:prstGeom prst="rect">
+              <a:avLst/>
+            </a:prstGeom>
+            <a:ln w="6350">
+              <a:solidFill>
+                <a:schemeClr val="tx1"/>
+              </a:solidFill>
+            </a:ln>
+          </p:spPr>
+          <p:style>
+            <a:lnRef idx="2">
+              <a:schemeClr val="accent1">
+                <a:shade val="50000"/>
+              </a:schemeClr>
+            </a:lnRef>
+            <a:fillRef idx="1">
+              <a:schemeClr val="accent1"/>
+            </a:fillRef>
+            <a:effectRef idx="0">
+              <a:schemeClr val="accent1"/>
+            </a:effectRef>
+            <a:fontRef idx="minor">
+              <a:schemeClr val="lt1"/>
+            </a:fontRef>
+          </p:style>
+          <p:txBody>
+            <a:bodyPr rtlCol="0" anchor="ctr"/>
+            <a:lstStyle/>
+            <a:p>
+              <a:pPr algn="ctr"/>
+              <a:endParaRPr lang="en-ZA"/>
+            </a:p>
+          </p:txBody>
+        </p:sp>
+        <p:sp>
+          <p:nvSpPr>
+            <p:cNvPr id="27" name="Rectangle 26"/>
+            <p:cNvSpPr/>
+            <p:nvPr/>
+          </p:nvSpPr>
+          <p:spPr>
+            <a:xfrm>
+              <a:off x="9141619" y="1179299"/>
+              <a:ext cx="442912" cy="795033"/>
+            </a:xfrm>
+            <a:prstGeom prst="rect">
+              <a:avLst/>
+            </a:prstGeom>
+            <a:solidFill>
+              <a:schemeClr val="accent1">
+                <a:lumMod val="20000"/>
+                <a:lumOff val="80000"/>
+              </a:schemeClr>
+            </a:solidFill>
+            <a:ln w="6350">
+              <a:solidFill>
+                <a:schemeClr val="tx1"/>
+              </a:solidFill>
+            </a:ln>
+          </p:spPr>
+          <p:style>
+            <a:lnRef idx="2">
+              <a:schemeClr val="accent1">
+                <a:shade val="50000"/>
+              </a:schemeClr>
+            </a:lnRef>
+            <a:fillRef idx="1">
+              <a:schemeClr val="accent1"/>
+            </a:fillRef>
+            <a:effectRef idx="0">
+              <a:schemeClr val="accent1"/>
+            </a:effectRef>
+            <a:fontRef idx="minor">
+              <a:schemeClr val="lt1"/>
+            </a:fontRef>
+          </p:style>
+          <p:txBody>
+            <a:bodyPr rtlCol="0" anchor="ctr"/>
+            <a:lstStyle/>
+            <a:p>
+              <a:pPr algn="ctr"/>
+              <a:endParaRPr lang="en-ZA"/>
+            </a:p>
+          </p:txBody>
+        </p:sp>
+        <p:pic>
+          <p:nvPicPr>
+            <p:cNvPr id="28" name="Picture 27"/>
+            <p:cNvPicPr>
+              <a:picLocks noChangeAspect="1"/>
+            </p:cNvPicPr>
+            <p:nvPr/>
+          </p:nvPicPr>
+          <p:blipFill>
+            <a:blip r:embed="rId2" cstate="print">
+              <a:extLst>
+                <a:ext uri="{28A0092B-C50C-407E-A947-70E740481C1C}">
+                  <a14:useLocalDpi xmlns:a14="http://schemas.microsoft.com/office/drawing/2010/main" val="0"/>
+                </a:ext>
+              </a:extLst>
+            </a:blip>
+            <a:stretch>
+              <a:fillRect/>
+            </a:stretch>
+          </p:blipFill>
+          <p:spPr>
+            <a:xfrm>
+              <a:off x="9203785" y="1244711"/>
+              <a:ext cx="318038" cy="318038"/>
+            </a:xfrm>
+            <a:prstGeom prst="rect">
+              <a:avLst/>
+            </a:prstGeom>
+          </p:spPr>
+        </p:pic>
+        <p:sp>
+          <p:nvSpPr>
+            <p:cNvPr id="31" name="Rounded Rectangle 30"/>
+            <p:cNvSpPr/>
+            <p:nvPr/>
+          </p:nvSpPr>
+          <p:spPr>
+            <a:xfrm>
+              <a:off x="9317831" y="1989512"/>
+              <a:ext cx="86247" cy="45719"/>
+            </a:xfrm>
+            <a:prstGeom prst="roundRect">
+              <a:avLst/>
+            </a:prstGeom>
+            <a:ln w="6350">
+              <a:solidFill>
+                <a:schemeClr val="tx1"/>
+              </a:solidFill>
+            </a:ln>
+          </p:spPr>
+          <p:style>
+            <a:lnRef idx="2">
+              <a:schemeClr val="accent1">
+                <a:shade val="50000"/>
+              </a:schemeClr>
+            </a:lnRef>
+            <a:fillRef idx="1">
+              <a:schemeClr val="accent1"/>
+            </a:fillRef>
+            <a:effectRef idx="0">
+              <a:schemeClr val="accent1"/>
+            </a:effectRef>
+            <a:fontRef idx="minor">
+              <a:schemeClr val="lt1"/>
+            </a:fontRef>
+          </p:style>
+          <p:txBody>
+            <a:bodyPr rtlCol="0" anchor="ctr"/>
+            <a:lstStyle/>
+            <a:p>
+              <a:pPr algn="ctr"/>
+              <a:endParaRPr lang="en-ZA"/>
+            </a:p>
+          </p:txBody>
+        </p:sp>
+      </p:grpSp>
+      <p:cxnSp>
+        <p:nvCxnSpPr>
+          <p:cNvPr id="35" name="Curved Connector 34"/>
+          <p:cNvCxnSpPr/>
+          <p:nvPr/>
+        </p:nvCxnSpPr>
+        <p:spPr>
+          <a:xfrm>
+            <a:off x="1871194" y="2346889"/>
+            <a:ext cx="1130284" cy="1082632"/>
+          </a:xfrm>
+          <a:prstGeom prst="curvedConnector3">
+            <a:avLst>
+              <a:gd name="adj1" fmla="val 50000"/>
+            </a:avLst>
+          </a:prstGeom>
+        </p:spPr>
+        <p:style>
+          <a:lnRef idx="1">
+            <a:schemeClr val="accent1"/>
+          </a:lnRef>
+          <a:fillRef idx="0">
+            <a:schemeClr val="accent1"/>
+          </a:fillRef>
+          <a:effectRef idx="0">
+            <a:schemeClr val="accent1"/>
+          </a:effectRef>
+          <a:fontRef idx="minor">
+            <a:schemeClr val="tx1"/>
+          </a:fontRef>
+        </p:style>
+      </p:cxnSp>
+      <p:grpSp>
+        <p:nvGrpSpPr>
+          <p:cNvPr id="18" name="Group 17"/>
+          <p:cNvGrpSpPr/>
+          <p:nvPr/>
+        </p:nvGrpSpPr>
+        <p:grpSpPr>
+          <a:xfrm>
+            <a:off x="903737" y="2114578"/>
+            <a:ext cx="1055077" cy="1016432"/>
+            <a:chOff x="1055077" y="1582615"/>
+            <a:chExt cx="1055077" cy="1016432"/>
+          </a:xfrm>
+        </p:grpSpPr>
+        <p:sp>
+          <p:nvSpPr>
+            <p:cNvPr id="9" name="Trapezoid 8"/>
+            <p:cNvSpPr/>
+            <p:nvPr/>
+          </p:nvSpPr>
+          <p:spPr>
+            <a:xfrm>
+              <a:off x="1055077" y="1582615"/>
+              <a:ext cx="1055077" cy="468253"/>
+            </a:xfrm>
+            <a:prstGeom prst="trapezoid">
+              <a:avLst>
+                <a:gd name="adj" fmla="val 51288"/>
+              </a:avLst>
+            </a:prstGeom>
+            <a:solidFill>
+              <a:schemeClr val="accent1">
+                <a:lumMod val="60000"/>
+                <a:lumOff val="40000"/>
+              </a:schemeClr>
+            </a:solidFill>
+          </p:spPr>
+          <p:style>
+            <a:lnRef idx="2">
+              <a:schemeClr val="accent1">
+                <a:shade val="50000"/>
+              </a:schemeClr>
+            </a:lnRef>
+            <a:fillRef idx="1">
+              <a:schemeClr val="accent1"/>
+            </a:fillRef>
+            <a:effectRef idx="0">
+              <a:schemeClr val="accent1"/>
+            </a:effectRef>
+            <a:fontRef idx="minor">
+              <a:schemeClr val="lt1"/>
+            </a:fontRef>
+          </p:style>
+          <p:txBody>
+            <a:bodyPr rtlCol="0" anchor="ctr"/>
+            <a:lstStyle/>
+            <a:p>
+              <a:pPr algn="ctr"/>
+              <a:endParaRPr lang="en-ZA"/>
+            </a:p>
+          </p:txBody>
+        </p:sp>
+        <p:sp>
+          <p:nvSpPr>
+            <p:cNvPr id="10" name="Rectangle 9"/>
+            <p:cNvSpPr/>
+            <p:nvPr/>
+          </p:nvSpPr>
+          <p:spPr>
+            <a:xfrm>
+              <a:off x="1055077" y="2050868"/>
+              <a:ext cx="1055077" cy="323055"/>
+            </a:xfrm>
+            <a:prstGeom prst="rect">
+              <a:avLst/>
+            </a:prstGeom>
+          </p:spPr>
+          <p:style>
+            <a:lnRef idx="2">
+              <a:schemeClr val="accent1">
+                <a:shade val="50000"/>
+              </a:schemeClr>
+            </a:lnRef>
+            <a:fillRef idx="1">
+              <a:schemeClr val="accent1"/>
+            </a:fillRef>
+            <a:effectRef idx="0">
+              <a:schemeClr val="accent1"/>
+            </a:effectRef>
+            <a:fontRef idx="minor">
+              <a:schemeClr val="lt1"/>
+            </a:fontRef>
+          </p:style>
+          <p:txBody>
+            <a:bodyPr rtlCol="0" anchor="ctr"/>
+            <a:lstStyle/>
+            <a:p>
+              <a:pPr algn="ctr"/>
+              <a:endParaRPr lang="en-ZA"/>
+            </a:p>
+          </p:txBody>
+        </p:sp>
+        <p:cxnSp>
+          <p:nvCxnSpPr>
+            <p:cNvPr id="12" name="Straight Connector 11"/>
+            <p:cNvCxnSpPr>
+              <a:stCxn id="10" idx="2"/>
+            </p:cNvCxnSpPr>
+            <p:nvPr/>
+          </p:nvCxnSpPr>
+          <p:spPr>
+            <a:xfrm>
+              <a:off x="1582616" y="2373923"/>
+              <a:ext cx="0" cy="145198"/>
+            </a:xfrm>
+            <a:prstGeom prst="line">
+              <a:avLst/>
+            </a:prstGeom>
+            <a:ln w="28575"/>
+          </p:spPr>
+          <p:style>
+            <a:lnRef idx="1">
+              <a:schemeClr val="accent1"/>
+            </a:lnRef>
+            <a:fillRef idx="0">
+              <a:schemeClr val="accent1"/>
+            </a:fillRef>
+            <a:effectRef idx="0">
+              <a:schemeClr val="accent1"/>
+            </a:effectRef>
+            <a:fontRef idx="minor">
+              <a:schemeClr val="tx1"/>
+            </a:fontRef>
+          </p:style>
+        </p:cxnSp>
+        <p:cxnSp>
+          <p:nvCxnSpPr>
+            <p:cNvPr id="14" name="Straight Connector 13"/>
+            <p:cNvCxnSpPr/>
+            <p:nvPr/>
+          </p:nvCxnSpPr>
+          <p:spPr>
+            <a:xfrm flipH="1" flipV="1">
+              <a:off x="1174396" y="2519121"/>
+              <a:ext cx="816438" cy="1830"/>
+            </a:xfrm>
+            <a:prstGeom prst="line">
+              <a:avLst/>
+            </a:prstGeom>
+            <a:ln w="28575"/>
+          </p:spPr>
+          <p:style>
+            <a:lnRef idx="1">
+              <a:schemeClr val="accent1"/>
+            </a:lnRef>
+            <a:fillRef idx="0">
+              <a:schemeClr val="accent1"/>
+            </a:fillRef>
+            <a:effectRef idx="0">
+              <a:schemeClr val="accent1"/>
+            </a:effectRef>
+            <a:fontRef idx="minor">
+              <a:schemeClr val="tx1"/>
+            </a:fontRef>
+          </p:style>
+        </p:cxnSp>
+        <p:cxnSp>
+          <p:nvCxnSpPr>
+            <p:cNvPr id="17" name="Straight Connector 16"/>
+            <p:cNvCxnSpPr/>
+            <p:nvPr/>
+          </p:nvCxnSpPr>
+          <p:spPr>
+            <a:xfrm flipH="1" flipV="1">
+              <a:off x="1174396" y="2597217"/>
+              <a:ext cx="816438" cy="1830"/>
+            </a:xfrm>
+            <a:prstGeom prst="line">
+              <a:avLst/>
+            </a:prstGeom>
+            <a:ln w="28575"/>
+          </p:spPr>
+          <p:style>
+            <a:lnRef idx="1">
+              <a:schemeClr val="accent1"/>
+            </a:lnRef>
+            <a:fillRef idx="0">
+              <a:schemeClr val="accent1"/>
+            </a:fillRef>
+            <a:effectRef idx="0">
+              <a:schemeClr val="accent1"/>
+            </a:effectRef>
+            <a:fontRef idx="minor">
+              <a:schemeClr val="tx1"/>
+            </a:fontRef>
+          </p:style>
+        </p:cxnSp>
+      </p:grpSp>
+      <p:cxnSp>
+        <p:nvCxnSpPr>
+          <p:cNvPr id="43" name="Curved Connector 42"/>
+          <p:cNvCxnSpPr/>
+          <p:nvPr/>
+        </p:nvCxnSpPr>
+        <p:spPr>
+          <a:xfrm rot="5400000" flipH="1" flipV="1">
+            <a:off x="1415613" y="1125259"/>
+            <a:ext cx="984641" cy="993997"/>
+          </a:xfrm>
+          <a:prstGeom prst="curvedConnector2">
+            <a:avLst/>
+          </a:prstGeom>
+        </p:spPr>
+        <p:style>
+          <a:lnRef idx="1">
+            <a:schemeClr val="accent1"/>
+          </a:lnRef>
+          <a:fillRef idx="0">
+            <a:schemeClr val="accent1"/>
+          </a:fillRef>
+          <a:effectRef idx="0">
+            <a:schemeClr val="accent1"/>
+          </a:effectRef>
+          <a:fontRef idx="minor">
+            <a:schemeClr val="tx1"/>
+          </a:fontRef>
+        </p:style>
+      </p:cxnSp>
+      <p:cxnSp>
+        <p:nvCxnSpPr>
+          <p:cNvPr id="45" name="Curved Connector 44"/>
+          <p:cNvCxnSpPr>
+            <a:stCxn id="7" idx="1"/>
+            <a:endCxn id="5" idx="0"/>
+          </p:cNvCxnSpPr>
+          <p:nvPr/>
+        </p:nvCxnSpPr>
+        <p:spPr>
+          <a:xfrm rot="16200000" flipH="1">
+            <a:off x="4064805" y="1832141"/>
+            <a:ext cx="794921" cy="1010366"/>
+          </a:xfrm>
+          <a:prstGeom prst="curvedConnector3">
+            <a:avLst/>
+          </a:prstGeom>
+        </p:spPr>
+        <p:style>
+          <a:lnRef idx="1">
+            <a:schemeClr val="accent1"/>
+          </a:lnRef>
+          <a:fillRef idx="0">
+            <a:schemeClr val="accent1"/>
+          </a:fillRef>
+          <a:effectRef idx="0">
+            <a:schemeClr val="accent1"/>
+          </a:effectRef>
+          <a:fontRef idx="minor">
+            <a:schemeClr val="tx1"/>
+          </a:fontRef>
+        </p:style>
+      </p:cxnSp>
+      <p:cxnSp>
+        <p:nvCxnSpPr>
+          <p:cNvPr id="47" name="Curved Connector 46"/>
+          <p:cNvCxnSpPr>
+            <a:stCxn id="7" idx="0"/>
+            <a:endCxn id="8" idx="1"/>
+          </p:cNvCxnSpPr>
+          <p:nvPr/>
+        </p:nvCxnSpPr>
+        <p:spPr>
+          <a:xfrm>
+            <a:off x="5495884" y="1129937"/>
+            <a:ext cx="764079" cy="141496"/>
+          </a:xfrm>
+          <a:prstGeom prst="curvedConnector3">
+            <a:avLst/>
+          </a:prstGeom>
+        </p:spPr>
+        <p:style>
+          <a:lnRef idx="1">
+            <a:schemeClr val="accent1"/>
+          </a:lnRef>
+          <a:fillRef idx="0">
+            <a:schemeClr val="accent1"/>
+          </a:fillRef>
+          <a:effectRef idx="0">
+            <a:schemeClr val="accent1"/>
+          </a:effectRef>
+          <a:fontRef idx="minor">
+            <a:schemeClr val="tx1"/>
+          </a:fontRef>
+        </p:style>
+      </p:cxnSp>
+      <p:cxnSp>
+        <p:nvCxnSpPr>
+          <p:cNvPr id="54" name="Curved Connector 53"/>
+          <p:cNvCxnSpPr>
+            <a:endCxn id="27" idx="1"/>
+          </p:cNvCxnSpPr>
+          <p:nvPr/>
+        </p:nvCxnSpPr>
+        <p:spPr>
+          <a:xfrm flipV="1">
+            <a:off x="3638834" y="3181664"/>
+            <a:ext cx="1107427" cy="226467"/>
+          </a:xfrm>
+          <a:prstGeom prst="curvedConnector3">
+            <a:avLst/>
+          </a:prstGeom>
+        </p:spPr>
+        <p:style>
+          <a:lnRef idx="1">
+            <a:schemeClr val="accent1"/>
+          </a:lnRef>
+          <a:fillRef idx="0">
+            <a:schemeClr val="accent1"/>
+          </a:fillRef>
+          <a:effectRef idx="0">
+            <a:schemeClr val="accent1"/>
+          </a:effectRef>
+          <a:fontRef idx="minor">
+            <a:schemeClr val="tx1"/>
+          </a:fontRef>
+        </p:style>
+      </p:cxnSp>
+      <p:sp>
+        <p:nvSpPr>
+          <p:cNvPr id="58" name="Rectangle 57"/>
+          <p:cNvSpPr/>
+          <p:nvPr/>
+        </p:nvSpPr>
+        <p:spPr>
+          <a:xfrm>
+            <a:off x="3239944" y="673110"/>
+            <a:ext cx="1383520" cy="646331"/>
+          </a:xfrm>
+          <a:prstGeom prst="rect">
+            <a:avLst/>
+          </a:prstGeom>
+          <a:noFill/>
+        </p:spPr>
+        <p:txBody>
+          <a:bodyPr wrap="none" lIns="91440" tIns="45720" rIns="91440" bIns="45720">
+            <a:spAutoFit/>
+          </a:bodyPr>
+          <a:lstStyle/>
+          <a:p>
+            <a:pPr algn="ctr"/>
+            <a:r>
+              <a:rPr lang="en-US" sz="3600" b="0" cap="none" spc="0" dirty="0" smtClean="0">
+                <a:ln w="0"/>
+                <a:solidFill>
+                  <a:schemeClr val="tx1"/>
+                </a:solidFill>
+                <a:effectLst>
+                  <a:outerShdw blurRad="38100" dist="19050" dir="2700000" algn="tl" rotWithShape="0">
+                    <a:schemeClr val="dk1">
+                      <a:alpha val="40000"/>
+                    </a:schemeClr>
+                  </a:outerShdw>
+                </a:effectLst>
+              </a:rPr>
+              <a:t>Server</a:t>
+            </a:r>
+            <a:endParaRPr lang="en-US" sz="2800" b="0" cap="none" spc="0" dirty="0">
+              <a:ln w="0"/>
+              <a:solidFill>
+                <a:schemeClr val="tx1"/>
+              </a:solidFill>
+              <a:effectLst>
+                <a:outerShdw blurRad="38100" dist="19050" dir="2700000" algn="tl" rotWithShape="0">
+                  <a:schemeClr val="dk1">
+                    <a:alpha val="40000"/>
+                  </a:schemeClr>
+                </a:outerShdw>
+              </a:effectLst>
+            </a:endParaRPr>
+          </a:p>
+        </p:txBody>
+      </p:sp>
+      <p:sp>
+        <p:nvSpPr>
+          <p:cNvPr id="59" name="Rectangle 58"/>
+          <p:cNvSpPr/>
+          <p:nvPr/>
+        </p:nvSpPr>
+        <p:spPr>
+          <a:xfrm>
+            <a:off x="6338564" y="673110"/>
+            <a:ext cx="3224536" cy="646331"/>
+          </a:xfrm>
+          <a:prstGeom prst="rect">
+            <a:avLst/>
+          </a:prstGeom>
+          <a:noFill/>
+        </p:spPr>
+        <p:txBody>
+          <a:bodyPr wrap="none" lIns="91440" tIns="45720" rIns="91440" bIns="45720">
+            <a:spAutoFit/>
+          </a:bodyPr>
+          <a:lstStyle/>
+          <a:p>
+            <a:pPr algn="ctr"/>
+            <a:r>
+              <a:rPr lang="en-US" sz="3600" dirty="0" smtClean="0">
+                <a:ln w="0"/>
+                <a:effectLst>
+                  <a:outerShdw blurRad="38100" dist="19050" dir="2700000" algn="tl" rotWithShape="0">
+                    <a:schemeClr val="dk1">
+                      <a:alpha val="40000"/>
+                    </a:schemeClr>
+                  </a:outerShdw>
+                </a:effectLst>
+              </a:rPr>
+              <a:t>Web application</a:t>
+            </a:r>
+            <a:endParaRPr lang="en-US" sz="3600" b="0" cap="none" spc="0" dirty="0">
+              <a:ln w="0"/>
+              <a:solidFill>
+                <a:schemeClr val="tx1"/>
+              </a:solidFill>
+              <a:effectLst>
+                <a:outerShdw blurRad="38100" dist="19050" dir="2700000" algn="tl" rotWithShape="0">
+                  <a:schemeClr val="dk1">
+                    <a:alpha val="40000"/>
+                  </a:schemeClr>
+                </a:outerShdw>
+              </a:effectLst>
+            </a:endParaRPr>
+          </a:p>
+        </p:txBody>
+      </p:sp>
+      <p:sp>
+        <p:nvSpPr>
+          <p:cNvPr id="60" name="Rectangle 59"/>
+          <p:cNvSpPr/>
+          <p:nvPr/>
+        </p:nvSpPr>
+        <p:spPr>
+          <a:xfrm>
+            <a:off x="2985702" y="3716401"/>
+            <a:ext cx="747320" cy="400110"/>
+          </a:xfrm>
+          <a:prstGeom prst="rect">
+            <a:avLst/>
+          </a:prstGeom>
+          <a:noFill/>
+        </p:spPr>
+        <p:txBody>
+          <a:bodyPr wrap="none" lIns="91440" tIns="45720" rIns="91440" bIns="45720">
+            <a:spAutoFit/>
+          </a:bodyPr>
+          <a:lstStyle/>
+          <a:p>
+            <a:pPr algn="ctr"/>
+            <a:r>
+              <a:rPr lang="en-US" sz="2000" b="0" cap="none" spc="0" dirty="0" smtClean="0">
+                <a:ln w="0"/>
+                <a:solidFill>
+                  <a:schemeClr val="tx1"/>
+                </a:solidFill>
+                <a:effectLst>
+                  <a:outerShdw blurRad="38100" dist="19050" dir="2700000" algn="tl" rotWithShape="0">
+                    <a:schemeClr val="dk1">
+                      <a:alpha val="40000"/>
+                    </a:schemeClr>
+                  </a:outerShdw>
+                </a:effectLst>
+              </a:rPr>
+              <a:t>Node</a:t>
+            </a:r>
+            <a:endParaRPr lang="en-US" sz="2000" b="0" cap="none" spc="0" dirty="0">
+              <a:ln w="0"/>
+              <a:solidFill>
+                <a:schemeClr val="tx1"/>
+              </a:solidFill>
+              <a:effectLst>
+                <a:outerShdw blurRad="38100" dist="19050" dir="2700000" algn="tl" rotWithShape="0">
+                  <a:schemeClr val="dk1">
+                    <a:alpha val="40000"/>
+                  </a:schemeClr>
+                </a:outerShdw>
+              </a:effectLst>
+            </a:endParaRPr>
+          </a:p>
+        </p:txBody>
+      </p:sp>
+      <p:sp>
+        <p:nvSpPr>
+          <p:cNvPr id="61" name="Rectangle 60"/>
+          <p:cNvSpPr/>
+          <p:nvPr/>
+        </p:nvSpPr>
+        <p:spPr>
+          <a:xfrm>
+            <a:off x="903737" y="2534730"/>
+            <a:ext cx="1092350" cy="400110"/>
+          </a:xfrm>
+          <a:prstGeom prst="rect">
+            <a:avLst/>
+          </a:prstGeom>
+          <a:noFill/>
+        </p:spPr>
+        <p:txBody>
+          <a:bodyPr wrap="none" lIns="91440" tIns="45720" rIns="91440" bIns="45720">
+            <a:spAutoFit/>
+          </a:bodyPr>
+          <a:lstStyle/>
+          <a:p>
+            <a:pPr algn="ctr"/>
+            <a:r>
+              <a:rPr lang="en-US" sz="2000" b="0" cap="none" spc="0" dirty="0" smtClean="0">
+                <a:ln w="0"/>
+                <a:solidFill>
+                  <a:schemeClr val="tx1"/>
+                </a:solidFill>
+                <a:effectLst>
+                  <a:outerShdw blurRad="38100" dist="19050" dir="2700000" algn="tl" rotWithShape="0">
+                    <a:schemeClr val="dk1">
+                      <a:alpha val="40000"/>
+                    </a:schemeClr>
+                  </a:outerShdw>
+                </a:effectLst>
+              </a:rPr>
+              <a:t>Gateway</a:t>
+            </a:r>
+            <a:endParaRPr lang="en-US" sz="2000" b="0" cap="none" spc="0" dirty="0">
+              <a:ln w="0"/>
+              <a:solidFill>
+                <a:schemeClr val="tx1"/>
+              </a:solidFill>
+              <a:effectLst>
+                <a:outerShdw blurRad="38100" dist="19050" dir="2700000" algn="tl" rotWithShape="0">
+                  <a:schemeClr val="dk1">
+                    <a:alpha val="40000"/>
+                  </a:schemeClr>
+                </a:outerShdw>
+              </a:effectLst>
+            </a:endParaRPr>
+          </a:p>
+        </p:txBody>
+      </p:sp>
     </p:spTree>
     <p:extLst>
       <p:ext uri="{BB962C8B-B14F-4D97-AF65-F5344CB8AC3E}">
@@ -3254,6 +4390,13 @@
   <p:clrMapOvr>
     <a:masterClrMapping/>
   </p:clrMapOvr>
+  <p:timing>
+    <p:tnLst>
+      <p:par>
+        <p:cTn id="1" dur="indefinite" restart="never" nodeType="tmRoot"/>
+      </p:par>
+    </p:tnLst>
+  </p:timing>
 </p:sld>
 </file>
 
